--- a/src/一下_網路安全/20240316_Kerberos身分鑑別系統/第三組_Kerberos身分鑑別系統.pptx
+++ b/src/一下_網路安全/20240316_Kerberos身分鑑別系統/第三組_Kerberos身分鑑別系統.pptx
@@ -6,10 +6,14 @@
   </p:sldMasterIdLst>
   <p:sldIdLst>
     <p:sldId id="256" r:id="rId2"/>
-    <p:sldId id="306" r:id="rId3"/>
-    <p:sldId id="305" r:id="rId4"/>
-    <p:sldId id="304" r:id="rId5"/>
-    <p:sldId id="301" r:id="rId6"/>
+    <p:sldId id="310" r:id="rId3"/>
+    <p:sldId id="306" r:id="rId4"/>
+    <p:sldId id="305" r:id="rId5"/>
+    <p:sldId id="307" r:id="rId6"/>
+    <p:sldId id="308" r:id="rId7"/>
+    <p:sldId id="304" r:id="rId8"/>
+    <p:sldId id="309" r:id="rId9"/>
+    <p:sldId id="301" r:id="rId10"/>
   </p:sldIdLst>
   <p:sldSz cx="12192000" cy="6858000"/>
   <p:notesSz cx="6858000" cy="9144000"/>
@@ -2187,6 +2191,13 @@
         </dgm:presLayoutVars>
       </dgm:prSet>
       <dgm:spPr/>
+      <dgm:t>
+        <a:bodyPr/>
+        <a:lstStyle/>
+        <a:p>
+          <a:endParaRPr lang="zh-TW" altLang="en-US"/>
+        </a:p>
+      </dgm:t>
     </dgm:pt>
     <dgm:pt modelId="{8B32E74F-3D2B-4D3A-AEEC-474EEBF767EE}" type="pres">
       <dgm:prSet presAssocID="{063C8B0C-E3BB-401E-9C05-11DA73B81A54}" presName="composite" presStyleCnt="0"/>
@@ -2320,11 +2331,11 @@
     <dgm:cxn modelId="{283FEBED-08DA-41D2-B91B-90B61454516A}" srcId="{E0887D97-DC41-486C-82F6-980E8D56A5A4}" destId="{203C0DF2-7510-4D67-B556-AAF0F1A6A2E8}" srcOrd="2" destOrd="0" parTransId="{4717E3C7-019B-41B8-AC05-4E6FE0CFA3C1}" sibTransId="{6B359434-1578-4284-B21F-48E69755A61D}"/>
     <dgm:cxn modelId="{C5FAA568-F99C-4F13-B75D-5FD75500BBC6}" srcId="{203C0DF2-7510-4D67-B556-AAF0F1A6A2E8}" destId="{3DD7DC30-207B-4306-92FA-75BF8CE02C9C}" srcOrd="0" destOrd="0" parTransId="{A23E43D4-2AF9-467C-9C86-B059B60B4E61}" sibTransId="{C2B59ABA-6465-4700-B13C-74102552A800}"/>
     <dgm:cxn modelId="{D62BEE2B-2CF2-44D5-AA65-C41C5041A827}" srcId="{8DC28FA8-FC98-44BB-8C34-1637F20F4C51}" destId="{86527793-A9E1-49CB-BC58-C7ED364487F7}" srcOrd="1" destOrd="0" parTransId="{91FC2F2E-4DE2-4320-92D3-DD6C24429631}" sibTransId="{62532479-5E93-4298-AB28-8E83DA5082F8}"/>
+    <dgm:cxn modelId="{0507E639-B49B-4952-BA05-3D84604150D4}" type="presOf" srcId="{E0887D97-DC41-486C-82F6-980E8D56A5A4}" destId="{1A3D2665-BE99-48A5-A253-719509595903}" srcOrd="0" destOrd="0" presId="urn:microsoft.com/office/officeart/2005/8/layout/hList1"/>
     <dgm:cxn modelId="{E4F223C3-ABD3-48CC-91FD-879147EAE6ED}" type="presOf" srcId="{8DC28FA8-FC98-44BB-8C34-1637F20F4C51}" destId="{D78690B0-90D5-4A24-8E34-76524F96AC8D}" srcOrd="0" destOrd="0" presId="urn:microsoft.com/office/officeart/2005/8/layout/hList1"/>
-    <dgm:cxn modelId="{0507E639-B49B-4952-BA05-3D84604150D4}" type="presOf" srcId="{E0887D97-DC41-486C-82F6-980E8D56A5A4}" destId="{1A3D2665-BE99-48A5-A253-719509595903}" srcOrd="0" destOrd="0" presId="urn:microsoft.com/office/officeart/2005/8/layout/hList1"/>
     <dgm:cxn modelId="{CEA33A8D-073D-4BA8-A0DB-AA067EE2D1B3}" type="presOf" srcId="{44F696F9-2D65-41F7-BE68-F15419B7FB0C}" destId="{C1DDCC2A-F31F-4630-B6FD-B8C075EE3370}" srcOrd="0" destOrd="3" presId="urn:microsoft.com/office/officeart/2005/8/layout/hList1"/>
+    <dgm:cxn modelId="{5B172459-91AA-4272-BF00-750FDD059E5D}" type="presOf" srcId="{86527793-A9E1-49CB-BC58-C7ED364487F7}" destId="{2E0FE5AD-3881-474D-A7A1-148DBE7CEF38}" srcOrd="0" destOrd="1" presId="urn:microsoft.com/office/officeart/2005/8/layout/hList1"/>
     <dgm:cxn modelId="{35E70C3F-2F83-413A-B0A2-D2BA35729D87}" srcId="{E0887D97-DC41-486C-82F6-980E8D56A5A4}" destId="{063C8B0C-E3BB-401E-9C05-11DA73B81A54}" srcOrd="0" destOrd="0" parTransId="{04D0D781-F4BE-4C87-AED6-13EB744D5442}" sibTransId="{4F307E0E-D7E2-4BF6-9D62-75C6FB547510}"/>
-    <dgm:cxn modelId="{5B172459-91AA-4272-BF00-750FDD059E5D}" type="presOf" srcId="{86527793-A9E1-49CB-BC58-C7ED364487F7}" destId="{2E0FE5AD-3881-474D-A7A1-148DBE7CEF38}" srcOrd="0" destOrd="1" presId="urn:microsoft.com/office/officeart/2005/8/layout/hList1"/>
     <dgm:cxn modelId="{94DF8D97-6872-4CF5-9FC8-0D6364DB3B4F}" type="presOf" srcId="{063C8B0C-E3BB-401E-9C05-11DA73B81A54}" destId="{D3F34830-AFC4-4A95-854F-B4DC294A2BB8}" srcOrd="0" destOrd="0" presId="urn:microsoft.com/office/officeart/2005/8/layout/hList1"/>
     <dgm:cxn modelId="{EA4BCE38-73FA-4E28-A587-DEBE0AFA2422}" type="presOf" srcId="{1488947B-59A7-4727-A697-EEC5C0532D0F}" destId="{C1DDCC2A-F31F-4630-B6FD-B8C075EE3370}" srcOrd="0" destOrd="0" presId="urn:microsoft.com/office/officeart/2005/8/layout/hList1"/>
     <dgm:cxn modelId="{941FF5ED-9EF0-4C9D-A48D-EEB6D89BB188}" type="presOf" srcId="{75A287E8-B7F7-4A04-ACCC-891590D2D0E3}" destId="{C1DDCC2A-F31F-4630-B6FD-B8C075EE3370}" srcOrd="0" destOrd="2" presId="urn:microsoft.com/office/officeart/2005/8/layout/hList1"/>
@@ -2535,7 +2546,11 @@
           </a:r>
           <a:r>
             <a:rPr lang="zh-TW" altLang="en-US" sz="3000" dirty="0" smtClean="0"/>
-            <a:t>多重盤問與回應協定</a:t>
+            <a:t>加密多重</a:t>
+          </a:r>
+          <a:r>
+            <a:rPr lang="zh-TW" altLang="en-US" sz="3000" dirty="0" smtClean="0"/>
+            <a:t>盤問與回應協定</a:t>
           </a:r>
         </a:p>
         <a:p>
@@ -2636,6 +2651,13 @@
         </dgm:presLayoutVars>
       </dgm:prSet>
       <dgm:spPr/>
+      <dgm:t>
+        <a:bodyPr/>
+        <a:lstStyle/>
+        <a:p>
+          <a:endParaRPr lang="zh-TW" altLang="en-US"/>
+        </a:p>
+      </dgm:t>
     </dgm:pt>
     <dgm:pt modelId="{1AE5C5D4-3330-418B-B847-1E4F59953091}" type="pres">
       <dgm:prSet presAssocID="{C67BA4B0-945D-480B-88D5-D70B9C279112}" presName="matrix" presStyleCnt="0"/>
@@ -2771,21 +2793,21 @@
     </dgm:pt>
   </dgm:ptLst>
   <dgm:cxnLst>
+    <dgm:cxn modelId="{D922EAC2-4ADF-46D5-8D70-3805865DBF92}" srcId="{27B5ECD1-87B1-4E00-B2F9-A6DE73405981}" destId="{E057D96E-94CA-46F3-BD5F-7883E2581780}" srcOrd="3" destOrd="0" parTransId="{8ED01C4A-7DBB-4352-B886-508A39C25DBC}" sibTransId="{D2021822-0AC2-4AF6-A097-5D7584133D80}"/>
+    <dgm:cxn modelId="{F0F69CB1-944A-4BBA-90C5-B8DACE91F66C}" type="presOf" srcId="{32948344-FD23-42AD-B884-6852554CF1DF}" destId="{A2226502-1ABA-46EC-9C47-6643727EFB48}" srcOrd="1" destOrd="0" presId="urn:microsoft.com/office/officeart/2005/8/layout/matrix1"/>
+    <dgm:cxn modelId="{A061EC22-AAEA-4D9A-98B3-0E53422ACE71}" type="presOf" srcId="{E057D96E-94CA-46F3-BD5F-7883E2581780}" destId="{FCD3B067-3336-4879-8792-8DA5200B0686}" srcOrd="1" destOrd="0" presId="urn:microsoft.com/office/officeart/2005/8/layout/matrix1"/>
     <dgm:cxn modelId="{A1613AF3-B83D-4FC9-9CD5-EDA44E4752CC}" type="presOf" srcId="{EAF651E8-2D7E-4E8C-888F-4146ABE39AC7}" destId="{58E61173-5DB1-42BC-AD08-1EC3566B8318}" srcOrd="0" destOrd="0" presId="urn:microsoft.com/office/officeart/2005/8/layout/matrix1"/>
-    <dgm:cxn modelId="{9E63E289-BD9B-472D-B3AD-E6F657A39659}" type="presOf" srcId="{EAF651E8-2D7E-4E8C-888F-4146ABE39AC7}" destId="{F4DF1C1B-EE61-4D85-A368-BF0288C1E204}" srcOrd="1" destOrd="0" presId="urn:microsoft.com/office/officeart/2005/8/layout/matrix1"/>
-    <dgm:cxn modelId="{D922EAC2-4ADF-46D5-8D70-3805865DBF92}" srcId="{27B5ECD1-87B1-4E00-B2F9-A6DE73405981}" destId="{E057D96E-94CA-46F3-BD5F-7883E2581780}" srcOrd="3" destOrd="0" parTransId="{8ED01C4A-7DBB-4352-B886-508A39C25DBC}" sibTransId="{D2021822-0AC2-4AF6-A097-5D7584133D80}"/>
-    <dgm:cxn modelId="{0DC9DA34-B1CA-4C99-B9C3-FF27343940F4}" srcId="{27B5ECD1-87B1-4E00-B2F9-A6DE73405981}" destId="{32948344-FD23-42AD-B884-6852554CF1DF}" srcOrd="1" destOrd="0" parTransId="{17026755-B7D6-41B3-B0B4-CC3CD040478A}" sibTransId="{CF5EDDCA-9D2A-42F7-B198-E9CD8A4A5547}"/>
-    <dgm:cxn modelId="{A061EC22-AAEA-4D9A-98B3-0E53422ACE71}" type="presOf" srcId="{E057D96E-94CA-46F3-BD5F-7883E2581780}" destId="{FCD3B067-3336-4879-8792-8DA5200B0686}" srcOrd="1" destOrd="0" presId="urn:microsoft.com/office/officeart/2005/8/layout/matrix1"/>
-    <dgm:cxn modelId="{6A4FF02F-3461-41CE-8C76-C7CE0EAE6200}" type="presOf" srcId="{27B5ECD1-87B1-4E00-B2F9-A6DE73405981}" destId="{AC620CD2-4DA8-4EF7-8639-9FFF6F1FD14A}" srcOrd="0" destOrd="0" presId="urn:microsoft.com/office/officeart/2005/8/layout/matrix1"/>
+    <dgm:cxn modelId="{2E999A48-949E-4BC8-A7F2-9986D3824701}" srcId="{27B5ECD1-87B1-4E00-B2F9-A6DE73405981}" destId="{1A0A0400-2440-4BC7-80B5-EEA0259E3423}" srcOrd="2" destOrd="0" parTransId="{01D6D3D4-B40A-4B42-AF03-3E394D425304}" sibTransId="{41E932EA-1B38-4F8B-BBE5-E78F37844C59}"/>
     <dgm:cxn modelId="{5EED9AE6-4091-41C0-8DB4-AE2043644D04}" srcId="{C67BA4B0-945D-480B-88D5-D70B9C279112}" destId="{27B5ECD1-87B1-4E00-B2F9-A6DE73405981}" srcOrd="0" destOrd="0" parTransId="{3AC60306-244F-42B6-9E14-36A5657C5F26}" sibTransId="{DE2E75AA-8A78-49F9-B649-12DFE95D145B}"/>
-    <dgm:cxn modelId="{2E999A48-949E-4BC8-A7F2-9986D3824701}" srcId="{27B5ECD1-87B1-4E00-B2F9-A6DE73405981}" destId="{1A0A0400-2440-4BC7-80B5-EEA0259E3423}" srcOrd="2" destOrd="0" parTransId="{01D6D3D4-B40A-4B42-AF03-3E394D425304}" sibTransId="{41E932EA-1B38-4F8B-BBE5-E78F37844C59}"/>
-    <dgm:cxn modelId="{4B8B8557-5C87-4F05-9B1C-48B65453A789}" type="presOf" srcId="{C67BA4B0-945D-480B-88D5-D70B9C279112}" destId="{7746DEF9-7688-40C0-8BE8-6D52FDCDE7BF}" srcOrd="0" destOrd="0" presId="urn:microsoft.com/office/officeart/2005/8/layout/matrix1"/>
     <dgm:cxn modelId="{5D1D6A17-9EFD-46CE-A496-D9E392EED015}" srcId="{27B5ECD1-87B1-4E00-B2F9-A6DE73405981}" destId="{EAF651E8-2D7E-4E8C-888F-4146ABE39AC7}" srcOrd="0" destOrd="0" parTransId="{EC7F4922-E91B-43CF-A8E0-D4A1E802FE8C}" sibTransId="{EEDE5B61-0086-465B-927C-BEC6D48614CF}"/>
     <dgm:cxn modelId="{F69A809B-B9E5-4725-88D0-53B010BB1F57}" type="presOf" srcId="{1A0A0400-2440-4BC7-80B5-EEA0259E3423}" destId="{BDF65688-8679-4554-AA20-CE1F9B4AB3B2}" srcOrd="1" destOrd="0" presId="urn:microsoft.com/office/officeart/2005/8/layout/matrix1"/>
+    <dgm:cxn modelId="{4B8B8557-5C87-4F05-9B1C-48B65453A789}" type="presOf" srcId="{C67BA4B0-945D-480B-88D5-D70B9C279112}" destId="{7746DEF9-7688-40C0-8BE8-6D52FDCDE7BF}" srcOrd="0" destOrd="0" presId="urn:microsoft.com/office/officeart/2005/8/layout/matrix1"/>
+    <dgm:cxn modelId="{0DC9DA34-B1CA-4C99-B9C3-FF27343940F4}" srcId="{27B5ECD1-87B1-4E00-B2F9-A6DE73405981}" destId="{32948344-FD23-42AD-B884-6852554CF1DF}" srcOrd="1" destOrd="0" parTransId="{17026755-B7D6-41B3-B0B4-CC3CD040478A}" sibTransId="{CF5EDDCA-9D2A-42F7-B198-E9CD8A4A5547}"/>
+    <dgm:cxn modelId="{FFA6A990-AF76-4F2E-A9D8-3D239C79F6E2}" type="presOf" srcId="{E057D96E-94CA-46F3-BD5F-7883E2581780}" destId="{8CE74EDF-63D5-4685-AC59-DDBBC54D67EA}" srcOrd="0" destOrd="0" presId="urn:microsoft.com/office/officeart/2005/8/layout/matrix1"/>
+    <dgm:cxn modelId="{9E63E289-BD9B-472D-B3AD-E6F657A39659}" type="presOf" srcId="{EAF651E8-2D7E-4E8C-888F-4146ABE39AC7}" destId="{F4DF1C1B-EE61-4D85-A368-BF0288C1E204}" srcOrd="1" destOrd="0" presId="urn:microsoft.com/office/officeart/2005/8/layout/matrix1"/>
+    <dgm:cxn modelId="{6A4FF02F-3461-41CE-8C76-C7CE0EAE6200}" type="presOf" srcId="{27B5ECD1-87B1-4E00-B2F9-A6DE73405981}" destId="{AC620CD2-4DA8-4EF7-8639-9FFF6F1FD14A}" srcOrd="0" destOrd="0" presId="urn:microsoft.com/office/officeart/2005/8/layout/matrix1"/>
     <dgm:cxn modelId="{B95CE3E7-DA02-4D2B-B1D3-7260C3F35FB1}" type="presOf" srcId="{1A0A0400-2440-4BC7-80B5-EEA0259E3423}" destId="{4728D5DE-AA34-4CB4-A8DE-0F7401DF987A}" srcOrd="0" destOrd="0" presId="urn:microsoft.com/office/officeart/2005/8/layout/matrix1"/>
     <dgm:cxn modelId="{9DFF43D0-B69F-42A5-A104-A3509918F184}" type="presOf" srcId="{32948344-FD23-42AD-B884-6852554CF1DF}" destId="{5FB69A15-CF12-464C-A683-45F6364BFC60}" srcOrd="0" destOrd="0" presId="urn:microsoft.com/office/officeart/2005/8/layout/matrix1"/>
-    <dgm:cxn modelId="{FFA6A990-AF76-4F2E-A9D8-3D239C79F6E2}" type="presOf" srcId="{E057D96E-94CA-46F3-BD5F-7883E2581780}" destId="{8CE74EDF-63D5-4685-AC59-DDBBC54D67EA}" srcOrd="0" destOrd="0" presId="urn:microsoft.com/office/officeart/2005/8/layout/matrix1"/>
-    <dgm:cxn modelId="{F0F69CB1-944A-4BBA-90C5-B8DACE91F66C}" type="presOf" srcId="{32948344-FD23-42AD-B884-6852554CF1DF}" destId="{A2226502-1ABA-46EC-9C47-6643727EFB48}" srcOrd="1" destOrd="0" presId="urn:microsoft.com/office/officeart/2005/8/layout/matrix1"/>
     <dgm:cxn modelId="{28EBB1F5-E1E1-44AC-A0E7-72C414BD0102}" type="presParOf" srcId="{7746DEF9-7688-40C0-8BE8-6D52FDCDE7BF}" destId="{1AE5C5D4-3330-418B-B847-1E4F59953091}" srcOrd="0" destOrd="0" presId="urn:microsoft.com/office/officeart/2005/8/layout/matrix1"/>
     <dgm:cxn modelId="{F7E9627E-BE32-49D5-AF02-A92F131EC026}" type="presParOf" srcId="{1AE5C5D4-3330-418B-B847-1E4F59953091}" destId="{58E61173-5DB1-42BC-AD08-1EC3566B8318}" srcOrd="0" destOrd="0" presId="urn:microsoft.com/office/officeart/2005/8/layout/matrix1"/>
     <dgm:cxn modelId="{9E8B8AAD-9857-4248-8B4A-44F5821725A0}" type="presParOf" srcId="{1AE5C5D4-3330-418B-B847-1E4F59953091}" destId="{F4DF1C1B-EE61-4D85-A368-BF0288C1E204}" srcOrd="1" destOrd="0" presId="urn:microsoft.com/office/officeart/2005/8/layout/matrix1"/>
@@ -5927,7 +5949,7 @@
             <a:fld id="{87FF6A67-2503-4BB8-85E7-8B582CC53958}" type="datetimeFigureOut">
               <a:rPr lang="zh-TW" altLang="en-US" smtClean="0"/>
               <a:pPr/>
-              <a:t>2024/3/15</a:t>
+              <a:t>2024/3/16</a:t>
             </a:fld>
             <a:endParaRPr lang="zh-TW" altLang="en-US"/>
           </a:p>
@@ -6131,7 +6153,7 @@
             <a:fld id="{87FF6A67-2503-4BB8-85E7-8B582CC53958}" type="datetimeFigureOut">
               <a:rPr lang="zh-TW" altLang="en-US" smtClean="0"/>
               <a:pPr/>
-              <a:t>2024/3/15</a:t>
+              <a:t>2024/3/16</a:t>
             </a:fld>
             <a:endParaRPr lang="zh-TW" altLang="en-US"/>
           </a:p>
@@ -6313,7 +6335,7 @@
             <a:fld id="{87FF6A67-2503-4BB8-85E7-8B582CC53958}" type="datetimeFigureOut">
               <a:rPr lang="zh-TW" altLang="en-US" smtClean="0"/>
               <a:pPr/>
-              <a:t>2024/3/15</a:t>
+              <a:t>2024/3/16</a:t>
             </a:fld>
             <a:endParaRPr lang="zh-TW" altLang="en-US"/>
           </a:p>
@@ -6485,7 +6507,7 @@
             <a:fld id="{87FF6A67-2503-4BB8-85E7-8B582CC53958}" type="datetimeFigureOut">
               <a:rPr lang="zh-TW" altLang="en-US" smtClean="0"/>
               <a:pPr/>
-              <a:t>2024/3/15</a:t>
+              <a:t>2024/3/16</a:t>
             </a:fld>
             <a:endParaRPr lang="zh-TW" altLang="en-US"/>
           </a:p>
@@ -7058,7 +7080,7 @@
             <a:fld id="{87FF6A67-2503-4BB8-85E7-8B582CC53958}" type="datetimeFigureOut">
               <a:rPr lang="zh-TW" altLang="en-US" smtClean="0"/>
               <a:pPr/>
-              <a:t>2024/3/15</a:t>
+              <a:t>2024/3/16</a:t>
             </a:fld>
             <a:endParaRPr lang="zh-TW" altLang="en-US"/>
           </a:p>
@@ -7362,7 +7384,7 @@
             <a:fld id="{87FF6A67-2503-4BB8-85E7-8B582CC53958}" type="datetimeFigureOut">
               <a:rPr lang="zh-TW" altLang="en-US" smtClean="0"/>
               <a:pPr/>
-              <a:t>2024/3/15</a:t>
+              <a:t>2024/3/16</a:t>
             </a:fld>
             <a:endParaRPr lang="zh-TW" altLang="en-US"/>
           </a:p>
@@ -7801,7 +7823,7 @@
             <a:fld id="{87FF6A67-2503-4BB8-85E7-8B582CC53958}" type="datetimeFigureOut">
               <a:rPr lang="zh-TW" altLang="en-US" smtClean="0"/>
               <a:pPr/>
-              <a:t>2024/3/15</a:t>
+              <a:t>2024/3/16</a:t>
             </a:fld>
             <a:endParaRPr lang="zh-TW" altLang="en-US"/>
           </a:p>
@@ -7921,7 +7943,7 @@
             <a:fld id="{87FF6A67-2503-4BB8-85E7-8B582CC53958}" type="datetimeFigureOut">
               <a:rPr lang="zh-TW" altLang="en-US" smtClean="0"/>
               <a:pPr/>
-              <a:t>2024/3/15</a:t>
+              <a:t>2024/3/16</a:t>
             </a:fld>
             <a:endParaRPr lang="zh-TW" altLang="en-US"/>
           </a:p>
@@ -8018,7 +8040,7 @@
             <a:fld id="{87FF6A67-2503-4BB8-85E7-8B582CC53958}" type="datetimeFigureOut">
               <a:rPr lang="zh-TW" altLang="en-US" smtClean="0"/>
               <a:pPr/>
-              <a:t>2024/3/15</a:t>
+              <a:t>2024/3/16</a:t>
             </a:fld>
             <a:endParaRPr lang="zh-TW" altLang="en-US"/>
           </a:p>
@@ -8402,7 +8424,7 @@
             <a:fld id="{87FF6A67-2503-4BB8-85E7-8B582CC53958}" type="datetimeFigureOut">
               <a:rPr lang="zh-TW" altLang="en-US" smtClean="0"/>
               <a:pPr/>
-              <a:t>2024/3/15</a:t>
+              <a:t>2024/3/16</a:t>
             </a:fld>
             <a:endParaRPr lang="zh-TW" altLang="en-US"/>
           </a:p>
@@ -8798,7 +8820,7 @@
             <a:fld id="{87FF6A67-2503-4BB8-85E7-8B582CC53958}" type="datetimeFigureOut">
               <a:rPr lang="zh-TW" altLang="en-US" smtClean="0"/>
               <a:pPr/>
-              <a:t>2024/3/15</a:t>
+              <a:t>2024/3/16</a:t>
             </a:fld>
             <a:endParaRPr lang="zh-TW" altLang="en-US"/>
           </a:p>
@@ -9113,7 +9135,7 @@
             <a:fld id="{87FF6A67-2503-4BB8-85E7-8B582CC53958}" type="datetimeFigureOut">
               <a:rPr lang="zh-TW" altLang="en-US" smtClean="0"/>
               <a:pPr/>
-              <a:t>2024/3/15</a:t>
+              <a:t>2024/3/16</a:t>
             </a:fld>
             <a:endParaRPr lang="zh-TW" altLang="en-US"/>
           </a:p>
@@ -9651,11 +9673,7 @@
             <a:pPr algn="l"/>
             <a:r>
               <a:rPr lang="zh-TW" altLang="en-US" sz="3200" dirty="0" smtClean="0"/>
-              <a:t>課程：網路</a:t>
-            </a:r>
-            <a:r>
-              <a:rPr lang="zh-TW" altLang="en-US" sz="3200" dirty="0" smtClean="0"/>
-              <a:t>安全</a:t>
+              <a:t>課程：網路安全</a:t>
             </a:r>
             <a:endParaRPr lang="en-US" altLang="zh-TW" sz="3200" dirty="0" smtClean="0"/>
           </a:p>
@@ -9679,19 +9697,7 @@
             </a:r>
             <a:r>
               <a:rPr lang="zh-TW" altLang="en-US" sz="3200" dirty="0" smtClean="0"/>
-              <a:t>組</a:t>
-            </a:r>
-            <a:r>
-              <a:rPr lang="zh-TW" altLang="en-US" sz="3200" dirty="0" smtClean="0"/>
-              <a:t>：</a:t>
-            </a:r>
-            <a:r>
-              <a:rPr lang="zh-TW" altLang="en-US" sz="3200" dirty="0" smtClean="0"/>
-              <a:t>洪</a:t>
-            </a:r>
-            <a:r>
-              <a:rPr lang="zh-TW" altLang="en-US" sz="3200" dirty="0" smtClean="0"/>
-              <a:t>唯真、沈君豪、劉冠亨</a:t>
+              <a:t>組：洪唯真、沈君豪、劉冠亨</a:t>
             </a:r>
             <a:endParaRPr lang="zh-TW" altLang="en-US" sz="3200" dirty="0"/>
           </a:p>
@@ -9707,6 +9713,13 @@
   <p:clrMapOvr>
     <a:masterClrMapping/>
   </p:clrMapOvr>
+  <p:timing>
+    <p:tnLst>
+      <p:par>
+        <p:cTn id="1" dur="indefinite" restart="never" nodeType="tmRoot"/>
+      </p:par>
+    </p:tnLst>
+  </p:timing>
 </p:sld>
 </file>
 
@@ -9746,42 +9759,123 @@
           <a:p>
             <a:r>
               <a:rPr altLang="zh-TW" sz="6000" dirty="0" smtClean="0"/>
+              <a:t>Contents</a:t>
+            </a:r>
+            <a:endParaRPr lang="zh-TW" altLang="en-US" sz="6000" dirty="0"/>
+          </a:p>
+        </p:txBody>
+      </p:sp>
+      <p:sp>
+        <p:nvSpPr>
+          <p:cNvPr id="3" name="內容版面配置區 2"/>
+          <p:cNvSpPr>
+            <a:spLocks noGrp="1"/>
+          </p:cNvSpPr>
+          <p:nvPr>
+            <p:ph idx="1"/>
+          </p:nvPr>
+        </p:nvSpPr>
+        <p:spPr/>
+        <p:txBody>
+          <a:bodyPr>
+            <a:normAutofit/>
+          </a:bodyPr>
+          <a:lstStyle/>
+          <a:p>
+            <a:pPr>
+              <a:buNone/>
+            </a:pPr>
+            <a:r>
+              <a:rPr lang="en-US" altLang="zh-TW" sz="4800" dirty="0" smtClean="0"/>
+              <a:t>1.</a:t>
+            </a:r>
+            <a:r>
+              <a:rPr lang="en-US" altLang="zh-TW" sz="4800" dirty="0" smtClean="0"/>
+              <a:t> Kerberos </a:t>
+            </a:r>
+            <a:r>
+              <a:rPr lang="zh-TW" altLang="en-US" sz="4800" dirty="0" smtClean="0"/>
+              <a:t> </a:t>
+            </a:r>
+            <a:r>
+              <a:rPr lang="en-US" altLang="zh-TW" sz="4800" dirty="0" smtClean="0"/>
+              <a:t>-</a:t>
+            </a:r>
+            <a:r>
+              <a:rPr lang="zh-TW" altLang="en-US" sz="4800" dirty="0" smtClean="0"/>
+              <a:t> </a:t>
+            </a:r>
+            <a:r>
+              <a:rPr lang="en-US" altLang="zh-TW" sz="4800" dirty="0" smtClean="0"/>
               <a:t>3W</a:t>
             </a:r>
             <a:r>
-              <a:rPr lang="zh-TW" altLang="en-US" sz="6000" dirty="0" smtClean="0"/>
+              <a:rPr lang="zh-TW" altLang="en-US" sz="4800" dirty="0" smtClean="0"/>
               <a:t>分析</a:t>
             </a:r>
+            <a:endParaRPr lang="en-US" altLang="zh-TW" sz="4800" dirty="0" smtClean="0"/>
+          </a:p>
+          <a:p>
+            <a:pPr lvl="0">
+              <a:buNone/>
+            </a:pPr>
             <a:r>
-              <a:rPr altLang="zh-TW" sz="6000" dirty="0" smtClean="0"/>
-              <a:t>Kerberos</a:t>
+              <a:rPr lang="en-US" altLang="zh-TW" sz="4800" dirty="0" smtClean="0"/>
+              <a:t>2.</a:t>
             </a:r>
-            <a:endParaRPr lang="zh-TW" altLang="en-US" sz="6000" dirty="0"/>
+            <a:r>
+              <a:rPr lang="en-US" altLang="en-US" sz="4800" dirty="0" smtClean="0"/>
+              <a:t> </a:t>
+            </a:r>
+            <a:r>
+              <a:rPr lang="en-US" altLang="zh-TW" sz="4800" dirty="0" smtClean="0"/>
+              <a:t>Kerberos </a:t>
+            </a:r>
+            <a:r>
+              <a:rPr lang="zh-TW" altLang="en-US" sz="4800" dirty="0" smtClean="0"/>
+              <a:t> </a:t>
+            </a:r>
+            <a:r>
+              <a:rPr lang="en-US" altLang="zh-TW" sz="4800" dirty="0" smtClean="0"/>
+              <a:t>-</a:t>
+            </a:r>
+            <a:r>
+              <a:rPr lang="zh-TW" altLang="en-US" sz="4800" dirty="0" smtClean="0"/>
+              <a:t> </a:t>
+            </a:r>
+            <a:r>
+              <a:rPr lang="en-US" altLang="en-US" sz="4800" dirty="0" smtClean="0"/>
+              <a:t>SWOT</a:t>
+            </a:r>
+            <a:r>
+              <a:rPr lang="zh-TW" altLang="en-US" sz="4800" dirty="0" smtClean="0"/>
+              <a:t>分析</a:t>
+            </a:r>
+            <a:endParaRPr lang="en-US" altLang="zh-TW" sz="4800" dirty="0" smtClean="0"/>
+          </a:p>
+          <a:p>
+            <a:pPr lvl="0">
+              <a:buNone/>
+            </a:pPr>
+            <a:r>
+              <a:rPr lang="en-US" altLang="zh-TW" sz="4800" dirty="0" smtClean="0"/>
+              <a:t>3.</a:t>
+            </a:r>
+            <a:r>
+              <a:rPr lang="zh-TW" altLang="en-US" sz="4800" dirty="0" smtClean="0"/>
+              <a:t> 比較</a:t>
+            </a:r>
+            <a:r>
+              <a:rPr lang="zh-TW" altLang="en-US" sz="4800" dirty="0" smtClean="0"/>
+              <a:t>：新架構與課本的比較</a:t>
+            </a:r>
+          </a:p>
+          <a:p>
+            <a:endParaRPr lang="zh-TW" altLang="en-US" sz="4800" dirty="0"/>
           </a:p>
         </p:txBody>
       </p:sp>
-      <p:graphicFrame>
-        <p:nvGraphicFramePr>
-          <p:cNvPr id="17" name="資料庫圖表 16"/>
-          <p:cNvGraphicFramePr/>
-          <p:nvPr/>
-        </p:nvGraphicFramePr>
-        <p:xfrm>
-          <a:off x="0" y="1193195"/>
-          <a:ext cx="12192000" cy="5926062"/>
-        </p:xfrm>
-        <a:graphic>
-          <a:graphicData uri="http://schemas.openxmlformats.org/drawingml/2006/diagram">
-            <dgm:relIds xmlns:dgm="http://schemas.openxmlformats.org/drawingml/2006/diagram" xmlns:r="http://schemas.openxmlformats.org/officeDocument/2006/relationships" r:dm="rId2" r:lo="rId3" r:qs="rId4" r:cs="rId5"/>
-          </a:graphicData>
-        </a:graphic>
-      </p:graphicFrame>
     </p:spTree>
-    <p:extLst>
-      <p:ext uri="{BB962C8B-B14F-4D97-AF65-F5344CB8AC3E}">
-        <p14:creationId xmlns:p14="http://schemas.microsoft.com/office/powerpoint/2010/main" xmlns="" val="2979980392"/>
-      </p:ext>
-    </p:extLst>
   </p:cSld>
   <p:clrMapOvr>
     <a:masterClrMapping/>
@@ -9832,6 +9926,92 @@
           <a:p>
             <a:r>
               <a:rPr altLang="zh-TW" sz="6000" dirty="0" smtClean="0"/>
+              <a:t>3W</a:t>
+            </a:r>
+            <a:r>
+              <a:rPr lang="zh-TW" altLang="en-US" sz="6000" dirty="0" smtClean="0"/>
+              <a:t>分析</a:t>
+            </a:r>
+            <a:r>
+              <a:rPr altLang="zh-TW" sz="6000" dirty="0" smtClean="0"/>
+              <a:t>Kerberos</a:t>
+            </a:r>
+            <a:endParaRPr lang="zh-TW" altLang="en-US" sz="6000" dirty="0"/>
+          </a:p>
+        </p:txBody>
+      </p:sp>
+      <p:graphicFrame>
+        <p:nvGraphicFramePr>
+          <p:cNvPr id="17" name="資料庫圖表 16"/>
+          <p:cNvGraphicFramePr/>
+          <p:nvPr/>
+        </p:nvGraphicFramePr>
+        <p:xfrm>
+          <a:off x="0" y="1193195"/>
+          <a:ext cx="12192000" cy="5926062"/>
+        </p:xfrm>
+        <a:graphic>
+          <a:graphicData uri="http://schemas.openxmlformats.org/drawingml/2006/diagram">
+            <dgm:relIds xmlns:dgm="http://schemas.openxmlformats.org/drawingml/2006/diagram" xmlns:r="http://schemas.openxmlformats.org/officeDocument/2006/relationships" r:dm="rId2" r:lo="rId3" r:qs="rId4" r:cs="rId5"/>
+          </a:graphicData>
+        </a:graphic>
+      </p:graphicFrame>
+    </p:spTree>
+    <p:extLst>
+      <p:ext uri="{BB962C8B-B14F-4D97-AF65-F5344CB8AC3E}">
+        <p14:creationId xmlns:p14="http://schemas.microsoft.com/office/powerpoint/2010/main" xmlns="" val="2979980392"/>
+      </p:ext>
+    </p:extLst>
+  </p:cSld>
+  <p:clrMapOvr>
+    <a:masterClrMapping/>
+  </p:clrMapOvr>
+  <p:timing>
+    <p:tnLst>
+      <p:par>
+        <p:cTn id="1" dur="indefinite" restart="never" nodeType="tmRoot"/>
+      </p:par>
+    </p:tnLst>
+  </p:timing>
+</p:sld>
+</file>
+
+<file path=ppt/slides/slide4.xml><?xml version="1.0" encoding="utf-8"?>
+<p:sld xmlns:a="http://schemas.openxmlformats.org/drawingml/2006/main" xmlns:r="http://schemas.openxmlformats.org/officeDocument/2006/relationships" xmlns:p="http://schemas.openxmlformats.org/presentationml/2006/main">
+  <p:cSld>
+    <p:spTree>
+      <p:nvGrpSpPr>
+        <p:cNvPr id="1" name=""/>
+        <p:cNvGrpSpPr/>
+        <p:nvPr/>
+      </p:nvGrpSpPr>
+      <p:grpSpPr>
+        <a:xfrm>
+          <a:off x="0" y="0"/>
+          <a:ext cx="0" cy="0"/>
+          <a:chOff x="0" y="0"/>
+          <a:chExt cx="0" cy="0"/>
+        </a:xfrm>
+      </p:grpSpPr>
+      <p:sp>
+        <p:nvSpPr>
+          <p:cNvPr id="2" name="標題 1"/>
+          <p:cNvSpPr>
+            <a:spLocks noGrp="1"/>
+          </p:cNvSpPr>
+          <p:nvPr>
+            <p:ph type="title"/>
+          </p:nvPr>
+        </p:nvSpPr>
+        <p:spPr/>
+        <p:txBody>
+          <a:bodyPr>
+            <a:normAutofit/>
+          </a:bodyPr>
+          <a:lstStyle/>
+          <a:p>
+            <a:r>
+              <a:rPr altLang="zh-TW" sz="6000" dirty="0" smtClean="0"/>
               <a:t>SWOT</a:t>
             </a:r>
             <a:r>
@@ -9882,7 +10062,213 @@
 </p:sld>
 </file>
 
-<file path=ppt/slides/slide4.xml><?xml version="1.0" encoding="utf-8"?>
+<file path=ppt/slides/slide5.xml><?xml version="1.0" encoding="utf-8"?>
+<p:sld xmlns:a="http://schemas.openxmlformats.org/drawingml/2006/main" xmlns:r="http://schemas.openxmlformats.org/officeDocument/2006/relationships" xmlns:p="http://schemas.openxmlformats.org/presentationml/2006/main">
+  <p:cSld>
+    <p:spTree>
+      <p:nvGrpSpPr>
+        <p:cNvPr id="1" name=""/>
+        <p:cNvGrpSpPr/>
+        <p:nvPr/>
+      </p:nvGrpSpPr>
+      <p:grpSpPr>
+        <a:xfrm>
+          <a:off x="0" y="0"/>
+          <a:ext cx="0" cy="0"/>
+          <a:chOff x="0" y="0"/>
+          <a:chExt cx="0" cy="0"/>
+        </a:xfrm>
+      </p:grpSpPr>
+      <p:sp>
+        <p:nvSpPr>
+          <p:cNvPr id="2" name="標題 1"/>
+          <p:cNvSpPr>
+            <a:spLocks noGrp="1"/>
+          </p:cNvSpPr>
+          <p:nvPr>
+            <p:ph type="title"/>
+          </p:nvPr>
+        </p:nvSpPr>
+        <p:spPr/>
+        <p:txBody>
+          <a:bodyPr/>
+          <a:lstStyle/>
+          <a:p>
+            <a:endParaRPr lang="zh-TW" altLang="en-US"/>
+          </a:p>
+        </p:txBody>
+      </p:sp>
+      <p:sp>
+        <p:nvSpPr>
+          <p:cNvPr id="3" name="內容版面配置區 2"/>
+          <p:cNvSpPr>
+            <a:spLocks noGrp="1"/>
+          </p:cNvSpPr>
+          <p:nvPr>
+            <p:ph idx="1"/>
+          </p:nvPr>
+        </p:nvSpPr>
+        <p:spPr/>
+        <p:txBody>
+          <a:bodyPr/>
+          <a:lstStyle/>
+          <a:p>
+            <a:endParaRPr lang="zh-TW" altLang="en-US" dirty="0"/>
+          </a:p>
+        </p:txBody>
+      </p:sp>
+      <p:pic>
+        <p:nvPicPr>
+          <p:cNvPr id="1026" name="Picture 2"/>
+          <p:cNvPicPr>
+            <a:picLocks noChangeAspect="1" noChangeArrowheads="1"/>
+          </p:cNvPicPr>
+          <p:nvPr/>
+        </p:nvPicPr>
+        <p:blipFill>
+          <a:blip r:embed="rId2"/>
+          <a:srcRect/>
+          <a:stretch>
+            <a:fillRect/>
+          </a:stretch>
+        </p:blipFill>
+        <p:spPr bwMode="auto">
+          <a:xfrm>
+            <a:off x="21718" y="704850"/>
+            <a:ext cx="12170282" cy="5353050"/>
+          </a:xfrm>
+          <a:prstGeom prst="rect">
+            <a:avLst/>
+          </a:prstGeom>
+          <a:noFill/>
+          <a:ln w="9525">
+            <a:noFill/>
+            <a:miter lim="800000"/>
+            <a:headEnd/>
+            <a:tailEnd/>
+          </a:ln>
+          <a:effectLst/>
+        </p:spPr>
+      </p:pic>
+    </p:spTree>
+  </p:cSld>
+  <p:clrMapOvr>
+    <a:masterClrMapping/>
+  </p:clrMapOvr>
+  <p:timing>
+    <p:tnLst>
+      <p:par>
+        <p:cTn id="1" dur="indefinite" restart="never" nodeType="tmRoot"/>
+      </p:par>
+    </p:tnLst>
+  </p:timing>
+</p:sld>
+</file>
+
+<file path=ppt/slides/slide6.xml><?xml version="1.0" encoding="utf-8"?>
+<p:sld xmlns:a="http://schemas.openxmlformats.org/drawingml/2006/main" xmlns:r="http://schemas.openxmlformats.org/officeDocument/2006/relationships" xmlns:p="http://schemas.openxmlformats.org/presentationml/2006/main">
+  <p:cSld>
+    <p:spTree>
+      <p:nvGrpSpPr>
+        <p:cNvPr id="1" name=""/>
+        <p:cNvGrpSpPr/>
+        <p:nvPr/>
+      </p:nvGrpSpPr>
+      <p:grpSpPr>
+        <a:xfrm>
+          <a:off x="0" y="0"/>
+          <a:ext cx="0" cy="0"/>
+          <a:chOff x="0" y="0"/>
+          <a:chExt cx="0" cy="0"/>
+        </a:xfrm>
+      </p:grpSpPr>
+      <p:sp>
+        <p:nvSpPr>
+          <p:cNvPr id="2" name="標題 1"/>
+          <p:cNvSpPr>
+            <a:spLocks noGrp="1"/>
+          </p:cNvSpPr>
+          <p:nvPr>
+            <p:ph type="title"/>
+          </p:nvPr>
+        </p:nvSpPr>
+        <p:spPr/>
+        <p:txBody>
+          <a:bodyPr/>
+          <a:lstStyle/>
+          <a:p>
+            <a:endParaRPr lang="zh-TW" altLang="en-US"/>
+          </a:p>
+        </p:txBody>
+      </p:sp>
+      <p:sp>
+        <p:nvSpPr>
+          <p:cNvPr id="3" name="內容版面配置區 2"/>
+          <p:cNvSpPr>
+            <a:spLocks noGrp="1"/>
+          </p:cNvSpPr>
+          <p:nvPr>
+            <p:ph idx="1"/>
+          </p:nvPr>
+        </p:nvSpPr>
+        <p:spPr/>
+        <p:txBody>
+          <a:bodyPr/>
+          <a:lstStyle/>
+          <a:p>
+            <a:endParaRPr lang="zh-TW" altLang="en-US"/>
+          </a:p>
+        </p:txBody>
+      </p:sp>
+      <p:pic>
+        <p:nvPicPr>
+          <p:cNvPr id="2050" name="Picture 2"/>
+          <p:cNvPicPr>
+            <a:picLocks noChangeAspect="1" noChangeArrowheads="1"/>
+          </p:cNvPicPr>
+          <p:nvPr/>
+        </p:nvPicPr>
+        <p:blipFill>
+          <a:blip r:embed="rId2"/>
+          <a:srcRect/>
+          <a:stretch>
+            <a:fillRect/>
+          </a:stretch>
+        </p:blipFill>
+        <p:spPr bwMode="auto">
+          <a:xfrm>
+            <a:off x="0" y="381000"/>
+            <a:ext cx="12038795" cy="6134100"/>
+          </a:xfrm>
+          <a:prstGeom prst="rect">
+            <a:avLst/>
+          </a:prstGeom>
+          <a:noFill/>
+          <a:ln w="9525">
+            <a:noFill/>
+            <a:miter lim="800000"/>
+            <a:headEnd/>
+            <a:tailEnd/>
+          </a:ln>
+          <a:effectLst/>
+        </p:spPr>
+      </p:pic>
+    </p:spTree>
+  </p:cSld>
+  <p:clrMapOvr>
+    <a:masterClrMapping/>
+  </p:clrMapOvr>
+  <p:timing>
+    <p:tnLst>
+      <p:par>
+        <p:cTn id="1" dur="indefinite" restart="never" nodeType="tmRoot"/>
+      </p:par>
+    </p:tnLst>
+  </p:timing>
+</p:sld>
+</file>
+
+<file path=ppt/slides/slide7.xml><?xml version="1.0" encoding="utf-8"?>
 <p:sld xmlns:a="http://schemas.openxmlformats.org/drawingml/2006/main" xmlns:r="http://schemas.openxmlformats.org/officeDocument/2006/relationships" xmlns:p="http://schemas.openxmlformats.org/presentationml/2006/main">
   <p:cSld>
     <p:spTree>
@@ -10083,7 +10469,166 @@
 </p:sld>
 </file>
 
-<file path=ppt/slides/slide5.xml><?xml version="1.0" encoding="utf-8"?>
+<file path=ppt/slides/slide8.xml><?xml version="1.0" encoding="utf-8"?>
+<p:sld xmlns:a="http://schemas.openxmlformats.org/drawingml/2006/main" xmlns:r="http://schemas.openxmlformats.org/officeDocument/2006/relationships" xmlns:p="http://schemas.openxmlformats.org/presentationml/2006/main">
+  <p:cSld>
+    <p:spTree>
+      <p:nvGrpSpPr>
+        <p:cNvPr id="1" name=""/>
+        <p:cNvGrpSpPr/>
+        <p:nvPr/>
+      </p:nvGrpSpPr>
+      <p:grpSpPr>
+        <a:xfrm>
+          <a:off x="0" y="0"/>
+          <a:ext cx="0" cy="0"/>
+          <a:chOff x="0" y="0"/>
+          <a:chExt cx="0" cy="0"/>
+        </a:xfrm>
+      </p:grpSpPr>
+      <p:sp>
+        <p:nvSpPr>
+          <p:cNvPr id="2" name="標題 1"/>
+          <p:cNvSpPr>
+            <a:spLocks noGrp="1"/>
+          </p:cNvSpPr>
+          <p:nvPr>
+            <p:ph type="title"/>
+          </p:nvPr>
+        </p:nvSpPr>
+        <p:spPr/>
+        <p:txBody>
+          <a:bodyPr/>
+          <a:lstStyle/>
+          <a:p>
+            <a:r>
+              <a:rPr lang="zh-TW" altLang="en-US" dirty="0" smtClean="0"/>
+              <a:t>比較：新架構與課本的比較</a:t>
+            </a:r>
+            <a:endParaRPr lang="zh-TW" altLang="en-US" dirty="0"/>
+          </a:p>
+        </p:txBody>
+      </p:sp>
+      <p:sp>
+        <p:nvSpPr>
+          <p:cNvPr id="3" name="內容版面配置區 2"/>
+          <p:cNvSpPr>
+            <a:spLocks noGrp="1"/>
+          </p:cNvSpPr>
+          <p:nvPr>
+            <p:ph idx="1"/>
+          </p:nvPr>
+        </p:nvSpPr>
+        <p:spPr>
+          <a:xfrm>
+            <a:off x="1066800" y="4203700"/>
+            <a:ext cx="10058400" cy="1831340"/>
+          </a:xfrm>
+        </p:spPr>
+        <p:txBody>
+          <a:bodyPr>
+            <a:normAutofit/>
+          </a:bodyPr>
+          <a:lstStyle/>
+          <a:p>
+            <a:pPr>
+              <a:buNone/>
+            </a:pPr>
+            <a:r>
+              <a:rPr lang="en-US" altLang="zh-TW" sz="2800" dirty="0" smtClean="0"/>
+              <a:t>1.</a:t>
+            </a:r>
+            <a:r>
+              <a:rPr lang="zh-TW" altLang="en-US" sz="2800" dirty="0" smtClean="0"/>
+              <a:t>加密多重盤問與回應</a:t>
+            </a:r>
+            <a:r>
+              <a:rPr lang="zh-TW" altLang="en-US" sz="2800" dirty="0" smtClean="0"/>
+              <a:t>協定</a:t>
+            </a:r>
+          </a:p>
+          <a:p>
+            <a:pPr lvl="0">
+              <a:buNone/>
+            </a:pPr>
+            <a:r>
+              <a:rPr lang="en-US" altLang="zh-TW" sz="2800" dirty="0" smtClean="0"/>
+              <a:t>2</a:t>
+            </a:r>
+            <a:r>
+              <a:rPr lang="en-US" altLang="zh-TW" sz="2800" dirty="0" smtClean="0"/>
+              <a:t>. </a:t>
+            </a:r>
+            <a:r>
+              <a:rPr lang="zh-TW" altLang="en-US" sz="2800" dirty="0" smtClean="0"/>
+              <a:t>連線識別（類似</a:t>
+            </a:r>
+            <a:r>
+              <a:rPr lang="en-US" altLang="en-US" sz="2800" dirty="0" smtClean="0"/>
+              <a:t>TCP</a:t>
+            </a:r>
+            <a:r>
+              <a:rPr lang="zh-TW" altLang="en-US" sz="2800" dirty="0" smtClean="0"/>
+              <a:t>三向交握）</a:t>
+            </a:r>
+          </a:p>
+          <a:p>
+            <a:pPr>
+              <a:buNone/>
+            </a:pPr>
+            <a:endParaRPr lang="zh-TW" altLang="en-US" sz="2800" dirty="0"/>
+          </a:p>
+        </p:txBody>
+      </p:sp>
+      <p:pic>
+        <p:nvPicPr>
+          <p:cNvPr id="1026" name="Picture 2"/>
+          <p:cNvPicPr>
+            <a:picLocks noChangeAspect="1" noChangeArrowheads="1"/>
+          </p:cNvPicPr>
+          <p:nvPr/>
+        </p:nvPicPr>
+        <p:blipFill>
+          <a:blip r:embed="rId2"/>
+          <a:srcRect/>
+          <a:stretch>
+            <a:fillRect/>
+          </a:stretch>
+        </p:blipFill>
+        <p:spPr bwMode="auto">
+          <a:xfrm>
+            <a:off x="-1" y="1946274"/>
+            <a:ext cx="12210509" cy="1635126"/>
+          </a:xfrm>
+          <a:prstGeom prst="rect">
+            <a:avLst/>
+          </a:prstGeom>
+          <a:noFill/>
+          <a:ln w="9525">
+            <a:noFill/>
+            <a:miter lim="800000"/>
+            <a:headEnd/>
+            <a:tailEnd/>
+          </a:ln>
+          <a:effectLst/>
+        </p:spPr>
+      </p:pic>
+    </p:spTree>
+  </p:cSld>
+  <p:clrMapOvr>
+    <a:masterClrMapping/>
+  </p:clrMapOvr>
+  <p:timing>
+    <p:tnLst>
+      <p:par>
+        <p:cTn id="1" dur="indefinite" restart="never" nodeType="tmRoot"/>
+      </p:par>
+    </p:tnLst>
+  </p:timing>
+</p:sld>
+</file>
+
+<file path=ppt/slides/slide9.xml><?xml version="1.0" encoding="utf-8"?>
 <p:sld xmlns:a="http://schemas.openxmlformats.org/drawingml/2006/main" xmlns:r="http://schemas.openxmlformats.org/officeDocument/2006/relationships" xmlns:p="http://schemas.openxmlformats.org/presentationml/2006/main">
   <p:cSld>
     <p:spTree>
